--- a/icon.pptx
+++ b/icon.pptx
@@ -260,7 +260,7 @@
           <a:p>
             <a:fld id="{09A8E1A7-2917-4CBA-A621-D94BAEB9FDFE}" type="datetimeFigureOut">
               <a:rPr kumimoji="1" lang="ja-JP" altLang="en-US" smtClean="0"/>
-              <a:t>2023/6/22</a:t>
+              <a:t>2023/6/25</a:t>
             </a:fld>
             <a:endParaRPr kumimoji="1" lang="ja-JP" altLang="en-US"/>
           </a:p>
@@ -490,7 +490,7 @@
           <a:p>
             <a:fld id="{09A8E1A7-2917-4CBA-A621-D94BAEB9FDFE}" type="datetimeFigureOut">
               <a:rPr kumimoji="1" lang="ja-JP" altLang="en-US" smtClean="0"/>
-              <a:t>2023/6/22</a:t>
+              <a:t>2023/6/25</a:t>
             </a:fld>
             <a:endParaRPr kumimoji="1" lang="ja-JP" altLang="en-US"/>
           </a:p>
@@ -730,7 +730,7 @@
           <a:p>
             <a:fld id="{09A8E1A7-2917-4CBA-A621-D94BAEB9FDFE}" type="datetimeFigureOut">
               <a:rPr kumimoji="1" lang="ja-JP" altLang="en-US" smtClean="0"/>
-              <a:t>2023/6/22</a:t>
+              <a:t>2023/6/25</a:t>
             </a:fld>
             <a:endParaRPr kumimoji="1" lang="ja-JP" altLang="en-US"/>
           </a:p>
@@ -960,7 +960,7 @@
           <a:p>
             <a:fld id="{09A8E1A7-2917-4CBA-A621-D94BAEB9FDFE}" type="datetimeFigureOut">
               <a:rPr kumimoji="1" lang="ja-JP" altLang="en-US" smtClean="0"/>
-              <a:t>2023/6/22</a:t>
+              <a:t>2023/6/25</a:t>
             </a:fld>
             <a:endParaRPr kumimoji="1" lang="ja-JP" altLang="en-US"/>
           </a:p>
@@ -1235,7 +1235,7 @@
           <a:p>
             <a:fld id="{09A8E1A7-2917-4CBA-A621-D94BAEB9FDFE}" type="datetimeFigureOut">
               <a:rPr kumimoji="1" lang="ja-JP" altLang="en-US" smtClean="0"/>
-              <a:t>2023/6/22</a:t>
+              <a:t>2023/6/25</a:t>
             </a:fld>
             <a:endParaRPr kumimoji="1" lang="ja-JP" altLang="en-US"/>
           </a:p>
@@ -1564,7 +1564,7 @@
           <a:p>
             <a:fld id="{09A8E1A7-2917-4CBA-A621-D94BAEB9FDFE}" type="datetimeFigureOut">
               <a:rPr kumimoji="1" lang="ja-JP" altLang="en-US" smtClean="0"/>
-              <a:t>2023/6/22</a:t>
+              <a:t>2023/6/25</a:t>
             </a:fld>
             <a:endParaRPr kumimoji="1" lang="ja-JP" altLang="en-US"/>
           </a:p>
@@ -2040,7 +2040,7 @@
           <a:p>
             <a:fld id="{09A8E1A7-2917-4CBA-A621-D94BAEB9FDFE}" type="datetimeFigureOut">
               <a:rPr kumimoji="1" lang="ja-JP" altLang="en-US" smtClean="0"/>
-              <a:t>2023/6/22</a:t>
+              <a:t>2023/6/25</a:t>
             </a:fld>
             <a:endParaRPr kumimoji="1" lang="ja-JP" altLang="en-US"/>
           </a:p>
@@ -2181,7 +2181,7 @@
           <a:p>
             <a:fld id="{09A8E1A7-2917-4CBA-A621-D94BAEB9FDFE}" type="datetimeFigureOut">
               <a:rPr kumimoji="1" lang="ja-JP" altLang="en-US" smtClean="0"/>
-              <a:t>2023/6/22</a:t>
+              <a:t>2023/6/25</a:t>
             </a:fld>
             <a:endParaRPr kumimoji="1" lang="ja-JP" altLang="en-US"/>
           </a:p>
@@ -2294,7 +2294,7 @@
           <a:p>
             <a:fld id="{09A8E1A7-2917-4CBA-A621-D94BAEB9FDFE}" type="datetimeFigureOut">
               <a:rPr kumimoji="1" lang="ja-JP" altLang="en-US" smtClean="0"/>
-              <a:t>2023/6/22</a:t>
+              <a:t>2023/6/25</a:t>
             </a:fld>
             <a:endParaRPr kumimoji="1" lang="ja-JP" altLang="en-US"/>
           </a:p>
@@ -2637,7 +2637,7 @@
           <a:p>
             <a:fld id="{09A8E1A7-2917-4CBA-A621-D94BAEB9FDFE}" type="datetimeFigureOut">
               <a:rPr kumimoji="1" lang="ja-JP" altLang="en-US" smtClean="0"/>
-              <a:t>2023/6/22</a:t>
+              <a:t>2023/6/25</a:t>
             </a:fld>
             <a:endParaRPr kumimoji="1" lang="ja-JP" altLang="en-US"/>
           </a:p>
@@ -2925,7 +2925,7 @@
           <a:p>
             <a:fld id="{09A8E1A7-2917-4CBA-A621-D94BAEB9FDFE}" type="datetimeFigureOut">
               <a:rPr kumimoji="1" lang="ja-JP" altLang="en-US" smtClean="0"/>
-              <a:t>2023/6/22</a:t>
+              <a:t>2023/6/25</a:t>
             </a:fld>
             <a:endParaRPr kumimoji="1" lang="ja-JP" altLang="en-US"/>
           </a:p>
@@ -3198,7 +3198,7 @@
           <a:p>
             <a:fld id="{09A8E1A7-2917-4CBA-A621-D94BAEB9FDFE}" type="datetimeFigureOut">
               <a:rPr kumimoji="1" lang="ja-JP" altLang="en-US" smtClean="0"/>
-              <a:t>2023/6/22</a:t>
+              <a:t>2023/6/25</a:t>
             </a:fld>
             <a:endParaRPr kumimoji="1" lang="ja-JP" altLang="en-US"/>
           </a:p>
@@ -4047,7 +4047,7 @@
         </p:nvCxnSpPr>
         <p:spPr>
           <a:xfrm>
-            <a:off x="1870788" y="4208106"/>
+            <a:off x="1870788" y="4028491"/>
             <a:ext cx="8248261" cy="0"/>
           </a:xfrm>
           <a:prstGeom prst="line">
@@ -4088,7 +4088,7 @@
         </p:nvSpPr>
         <p:spPr>
           <a:xfrm rot="10800000" flipH="1" flipV="1">
-            <a:off x="3226061" y="2770597"/>
+            <a:off x="3226061" y="2590982"/>
             <a:ext cx="6554754" cy="1316806"/>
           </a:xfrm>
           <a:prstGeom prst="rect">
@@ -4150,7 +4150,7 @@
         </p:nvSpPr>
         <p:spPr>
           <a:xfrm>
-            <a:off x="2268484" y="2890157"/>
+            <a:off x="2268484" y="2710542"/>
             <a:ext cx="957577" cy="957577"/>
           </a:xfrm>
           <a:prstGeom prst="roundRect">
@@ -4204,7 +4204,7 @@
         </p:nvSpPr>
         <p:spPr>
           <a:xfrm>
-            <a:off x="2344404" y="2946188"/>
+            <a:off x="2344404" y="2766573"/>
             <a:ext cx="818946" cy="844968"/>
           </a:xfrm>
           <a:custGeom>
@@ -4528,7 +4528,7 @@
         </p:nvSpPr>
         <p:spPr>
           <a:xfrm>
-            <a:off x="9780815" y="3880854"/>
+            <a:off x="9780815" y="3701239"/>
             <a:ext cx="954484" cy="654503"/>
           </a:xfrm>
           <a:custGeom>
